--- a/ppt 16-9/1376.那日祂的脚必.pptx
+++ b/ppt 16-9/1376.那日祂的脚必.pptx
@@ -5,7 +5,7 @@
     <p:sldMasterId id="2147483648" r:id="rId1"/>
   </p:sldMasterIdLst>
   <p:sldIdLst>
-    <p:sldId id="945" r:id="rId2"/>
+    <p:sldId id="946" r:id="rId2"/>
   </p:sldIdLst>
   <p:sldSz cx="12192000" cy="6858000"/>
   <p:notesSz cx="6858000" cy="9144000"/>
@@ -129,7 +129,7 @@
           <p:cNvPr id="2" name="标题 1">
             <a:extLst>
               <a:ext uri="{FF2B5EF4-FFF2-40B4-BE49-F238E27FC236}">
-                <a16:creationId xmlns:a16="http://schemas.microsoft.com/office/drawing/2014/main" id="{0E302F22-4FD7-2270-5B29-BD0EAE7325EF}"/>
+                <a16:creationId xmlns:a16="http://schemas.microsoft.com/office/drawing/2014/main" id="{BB334824-94EF-3209-D71E-22935DFD29AF}"/>
               </a:ext>
             </a:extLst>
           </p:cNvPr>
@@ -166,7 +166,7 @@
           <p:cNvPr id="3" name="副标题 2">
             <a:extLst>
               <a:ext uri="{FF2B5EF4-FFF2-40B4-BE49-F238E27FC236}">
-                <a16:creationId xmlns:a16="http://schemas.microsoft.com/office/drawing/2014/main" id="{5D4D2B2C-0E57-A81F-9AAA-7491D1D6217B}"/>
+                <a16:creationId xmlns:a16="http://schemas.microsoft.com/office/drawing/2014/main" id="{E02E7B24-79F9-5378-6772-5D3378D74E14}"/>
               </a:ext>
             </a:extLst>
           </p:cNvPr>
@@ -236,7 +236,7 @@
           <p:cNvPr id="4" name="日期占位符 3">
             <a:extLst>
               <a:ext uri="{FF2B5EF4-FFF2-40B4-BE49-F238E27FC236}">
-                <a16:creationId xmlns:a16="http://schemas.microsoft.com/office/drawing/2014/main" id="{45E40C54-5D93-7766-796D-E5E8963F8250}"/>
+                <a16:creationId xmlns:a16="http://schemas.microsoft.com/office/drawing/2014/main" id="{0BBD980C-5D37-8FA7-C646-399CA12AB2D3}"/>
               </a:ext>
             </a:extLst>
           </p:cNvPr>
@@ -252,7 +252,7 @@
           <a:bodyPr/>
           <a:lstStyle/>
           <a:p>
-            <a:fld id="{1B06CCD7-136C-43F8-BC92-3EF01CF22510}" type="datetimeFigureOut">
+            <a:fld id="{1E0D6DA5-5897-466E-A749-F63E9047E7D0}" type="datetimeFigureOut">
               <a:rPr lang="zh-CN" altLang="en-US" smtClean="0"/>
               <a:t>2024/3/10</a:t>
             </a:fld>
@@ -265,7 +265,7 @@
           <p:cNvPr id="5" name="页脚占位符 4">
             <a:extLst>
               <a:ext uri="{FF2B5EF4-FFF2-40B4-BE49-F238E27FC236}">
-                <a16:creationId xmlns:a16="http://schemas.microsoft.com/office/drawing/2014/main" id="{1C7762FE-85C4-A58E-4BE3-98E94EF3EBA7}"/>
+                <a16:creationId xmlns:a16="http://schemas.microsoft.com/office/drawing/2014/main" id="{5887EB72-CEE3-7145-C657-B5F8FFB42DE5}"/>
               </a:ext>
             </a:extLst>
           </p:cNvPr>
@@ -290,7 +290,7 @@
           <p:cNvPr id="6" name="灯片编号占位符 5">
             <a:extLst>
               <a:ext uri="{FF2B5EF4-FFF2-40B4-BE49-F238E27FC236}">
-                <a16:creationId xmlns:a16="http://schemas.microsoft.com/office/drawing/2014/main" id="{3A6345D9-00DD-03EF-3037-33FFC38F56CB}"/>
+                <a16:creationId xmlns:a16="http://schemas.microsoft.com/office/drawing/2014/main" id="{DCC47E97-F1D9-47E8-A471-7865D8540E59}"/>
               </a:ext>
             </a:extLst>
           </p:cNvPr>
@@ -306,7 +306,7 @@
           <a:bodyPr/>
           <a:lstStyle/>
           <a:p>
-            <a:fld id="{865DA913-85AB-40BE-B6FF-E98CF2D3E71C}" type="slidenum">
+            <a:fld id="{56C679DB-5960-4677-B71A-05800CA53F1B}" type="slidenum">
               <a:rPr lang="zh-CN" altLang="en-US" smtClean="0"/>
               <a:t>‹#›</a:t>
             </a:fld>
@@ -317,7 +317,7 @@
     </p:spTree>
     <p:extLst>
       <p:ext uri="{BB962C8B-B14F-4D97-AF65-F5344CB8AC3E}">
-        <p14:creationId xmlns:p14="http://schemas.microsoft.com/office/powerpoint/2010/main" val="3759446117"/>
+        <p14:creationId xmlns:p14="http://schemas.microsoft.com/office/powerpoint/2010/main" val="3661508512"/>
       </p:ext>
     </p:extLst>
   </p:cSld>
@@ -349,7 +349,7 @@
           <p:cNvPr id="2" name="标题 1">
             <a:extLst>
               <a:ext uri="{FF2B5EF4-FFF2-40B4-BE49-F238E27FC236}">
-                <a16:creationId xmlns:a16="http://schemas.microsoft.com/office/drawing/2014/main" id="{B1AA20C2-5E48-4E26-2166-393772366F02}"/>
+                <a16:creationId xmlns:a16="http://schemas.microsoft.com/office/drawing/2014/main" id="{FB341C8A-09CC-0AF8-A8A4-44DEBFD9FE75}"/>
               </a:ext>
             </a:extLst>
           </p:cNvPr>
@@ -377,7 +377,7 @@
           <p:cNvPr id="3" name="竖排文字占位符 2">
             <a:extLst>
               <a:ext uri="{FF2B5EF4-FFF2-40B4-BE49-F238E27FC236}">
-                <a16:creationId xmlns:a16="http://schemas.microsoft.com/office/drawing/2014/main" id="{1C4534AE-81CE-0F19-124E-8A492C3EDDB5}"/>
+                <a16:creationId xmlns:a16="http://schemas.microsoft.com/office/drawing/2014/main" id="{7B2D5558-E5AC-4294-8AD2-17D38CD824DB}"/>
               </a:ext>
             </a:extLst>
           </p:cNvPr>
@@ -434,7 +434,7 @@
           <p:cNvPr id="4" name="日期占位符 3">
             <a:extLst>
               <a:ext uri="{FF2B5EF4-FFF2-40B4-BE49-F238E27FC236}">
-                <a16:creationId xmlns:a16="http://schemas.microsoft.com/office/drawing/2014/main" id="{C3827597-E82F-51BC-069D-1E91E30F08FC}"/>
+                <a16:creationId xmlns:a16="http://schemas.microsoft.com/office/drawing/2014/main" id="{B1F21D28-57F5-8703-044D-1D2611CB6E07}"/>
               </a:ext>
             </a:extLst>
           </p:cNvPr>
@@ -450,7 +450,7 @@
           <a:bodyPr/>
           <a:lstStyle/>
           <a:p>
-            <a:fld id="{1B06CCD7-136C-43F8-BC92-3EF01CF22510}" type="datetimeFigureOut">
+            <a:fld id="{1E0D6DA5-5897-466E-A749-F63E9047E7D0}" type="datetimeFigureOut">
               <a:rPr lang="zh-CN" altLang="en-US" smtClean="0"/>
               <a:t>2024/3/10</a:t>
             </a:fld>
@@ -463,7 +463,7 @@
           <p:cNvPr id="5" name="页脚占位符 4">
             <a:extLst>
               <a:ext uri="{FF2B5EF4-FFF2-40B4-BE49-F238E27FC236}">
-                <a16:creationId xmlns:a16="http://schemas.microsoft.com/office/drawing/2014/main" id="{4CCE68C6-459E-2F56-F0BB-3B4459AA1E9D}"/>
+                <a16:creationId xmlns:a16="http://schemas.microsoft.com/office/drawing/2014/main" id="{6C3ECABB-A19E-14A9-CDEE-0198A930E1B6}"/>
               </a:ext>
             </a:extLst>
           </p:cNvPr>
@@ -488,7 +488,7 @@
           <p:cNvPr id="6" name="灯片编号占位符 5">
             <a:extLst>
               <a:ext uri="{FF2B5EF4-FFF2-40B4-BE49-F238E27FC236}">
-                <a16:creationId xmlns:a16="http://schemas.microsoft.com/office/drawing/2014/main" id="{06A8A9D8-92C8-B922-F906-CE1983742E5B}"/>
+                <a16:creationId xmlns:a16="http://schemas.microsoft.com/office/drawing/2014/main" id="{845FFAAD-997B-554A-6089-FDD4883B1840}"/>
               </a:ext>
             </a:extLst>
           </p:cNvPr>
@@ -504,7 +504,7 @@
           <a:bodyPr/>
           <a:lstStyle/>
           <a:p>
-            <a:fld id="{865DA913-85AB-40BE-B6FF-E98CF2D3E71C}" type="slidenum">
+            <a:fld id="{56C679DB-5960-4677-B71A-05800CA53F1B}" type="slidenum">
               <a:rPr lang="zh-CN" altLang="en-US" smtClean="0"/>
               <a:t>‹#›</a:t>
             </a:fld>
@@ -515,7 +515,7 @@
     </p:spTree>
     <p:extLst>
       <p:ext uri="{BB962C8B-B14F-4D97-AF65-F5344CB8AC3E}">
-        <p14:creationId xmlns:p14="http://schemas.microsoft.com/office/powerpoint/2010/main" val="3225440675"/>
+        <p14:creationId xmlns:p14="http://schemas.microsoft.com/office/powerpoint/2010/main" val="2925843320"/>
       </p:ext>
     </p:extLst>
   </p:cSld>
@@ -547,7 +547,7 @@
           <p:cNvPr id="2" name="竖排标题 1">
             <a:extLst>
               <a:ext uri="{FF2B5EF4-FFF2-40B4-BE49-F238E27FC236}">
-                <a16:creationId xmlns:a16="http://schemas.microsoft.com/office/drawing/2014/main" id="{59BEABF7-B078-2711-5090-896916D9E921}"/>
+                <a16:creationId xmlns:a16="http://schemas.microsoft.com/office/drawing/2014/main" id="{B47FC791-25D7-8220-DD2D-B87DFE7CCF84}"/>
               </a:ext>
             </a:extLst>
           </p:cNvPr>
@@ -580,7 +580,7 @@
           <p:cNvPr id="3" name="竖排文字占位符 2">
             <a:extLst>
               <a:ext uri="{FF2B5EF4-FFF2-40B4-BE49-F238E27FC236}">
-                <a16:creationId xmlns:a16="http://schemas.microsoft.com/office/drawing/2014/main" id="{58B57452-DEF5-0B15-71A2-2A12D9381E80}"/>
+                <a16:creationId xmlns:a16="http://schemas.microsoft.com/office/drawing/2014/main" id="{D0374443-6007-F1B7-AE8E-8E484E4FB093}"/>
               </a:ext>
             </a:extLst>
           </p:cNvPr>
@@ -642,7 +642,7 @@
           <p:cNvPr id="4" name="日期占位符 3">
             <a:extLst>
               <a:ext uri="{FF2B5EF4-FFF2-40B4-BE49-F238E27FC236}">
-                <a16:creationId xmlns:a16="http://schemas.microsoft.com/office/drawing/2014/main" id="{7DD72F6D-CEA9-BC96-07C0-D50661B29961}"/>
+                <a16:creationId xmlns:a16="http://schemas.microsoft.com/office/drawing/2014/main" id="{F4E987B6-E6A2-71D5-D70D-45E57BDACB8F}"/>
               </a:ext>
             </a:extLst>
           </p:cNvPr>
@@ -658,7 +658,7 @@
           <a:bodyPr/>
           <a:lstStyle/>
           <a:p>
-            <a:fld id="{1B06CCD7-136C-43F8-BC92-3EF01CF22510}" type="datetimeFigureOut">
+            <a:fld id="{1E0D6DA5-5897-466E-A749-F63E9047E7D0}" type="datetimeFigureOut">
               <a:rPr lang="zh-CN" altLang="en-US" smtClean="0"/>
               <a:t>2024/3/10</a:t>
             </a:fld>
@@ -671,7 +671,7 @@
           <p:cNvPr id="5" name="页脚占位符 4">
             <a:extLst>
               <a:ext uri="{FF2B5EF4-FFF2-40B4-BE49-F238E27FC236}">
-                <a16:creationId xmlns:a16="http://schemas.microsoft.com/office/drawing/2014/main" id="{135554B5-205D-F820-9A32-D74BCB9E3D5F}"/>
+                <a16:creationId xmlns:a16="http://schemas.microsoft.com/office/drawing/2014/main" id="{7F6751DD-0E01-760C-550D-20D735E2792D}"/>
               </a:ext>
             </a:extLst>
           </p:cNvPr>
@@ -696,7 +696,7 @@
           <p:cNvPr id="6" name="灯片编号占位符 5">
             <a:extLst>
               <a:ext uri="{FF2B5EF4-FFF2-40B4-BE49-F238E27FC236}">
-                <a16:creationId xmlns:a16="http://schemas.microsoft.com/office/drawing/2014/main" id="{2DBAA09E-387A-2902-5A9A-174FEA291DAC}"/>
+                <a16:creationId xmlns:a16="http://schemas.microsoft.com/office/drawing/2014/main" id="{707A8FEF-BE32-B079-1B2C-4619A153CC0B}"/>
               </a:ext>
             </a:extLst>
           </p:cNvPr>
@@ -712,7 +712,7 @@
           <a:bodyPr/>
           <a:lstStyle/>
           <a:p>
-            <a:fld id="{865DA913-85AB-40BE-B6FF-E98CF2D3E71C}" type="slidenum">
+            <a:fld id="{56C679DB-5960-4677-B71A-05800CA53F1B}" type="slidenum">
               <a:rPr lang="zh-CN" altLang="en-US" smtClean="0"/>
               <a:t>‹#›</a:t>
             </a:fld>
@@ -723,7 +723,7 @@
     </p:spTree>
     <p:extLst>
       <p:ext uri="{BB962C8B-B14F-4D97-AF65-F5344CB8AC3E}">
-        <p14:creationId xmlns:p14="http://schemas.microsoft.com/office/powerpoint/2010/main" val="3253888020"/>
+        <p14:creationId xmlns:p14="http://schemas.microsoft.com/office/powerpoint/2010/main" val="1978730792"/>
       </p:ext>
     </p:extLst>
   </p:cSld>
@@ -755,7 +755,7 @@
           <p:cNvPr id="2" name="标题 1">
             <a:extLst>
               <a:ext uri="{FF2B5EF4-FFF2-40B4-BE49-F238E27FC236}">
-                <a16:creationId xmlns:a16="http://schemas.microsoft.com/office/drawing/2014/main" id="{FEE9451A-5345-7E7F-EB91-8859C977663B}"/>
+                <a16:creationId xmlns:a16="http://schemas.microsoft.com/office/drawing/2014/main" id="{046D88E9-2BFC-4B3C-0AA0-F97FE2F85064}"/>
               </a:ext>
             </a:extLst>
           </p:cNvPr>
@@ -783,7 +783,7 @@
           <p:cNvPr id="3" name="内容占位符 2">
             <a:extLst>
               <a:ext uri="{FF2B5EF4-FFF2-40B4-BE49-F238E27FC236}">
-                <a16:creationId xmlns:a16="http://schemas.microsoft.com/office/drawing/2014/main" id="{71906348-A788-9A9E-5FCE-92CB00B8EABA}"/>
+                <a16:creationId xmlns:a16="http://schemas.microsoft.com/office/drawing/2014/main" id="{EB0E0A4F-379D-1E9D-E5E5-77FC81F91D58}"/>
               </a:ext>
             </a:extLst>
           </p:cNvPr>
@@ -840,7 +840,7 @@
           <p:cNvPr id="4" name="日期占位符 3">
             <a:extLst>
               <a:ext uri="{FF2B5EF4-FFF2-40B4-BE49-F238E27FC236}">
-                <a16:creationId xmlns:a16="http://schemas.microsoft.com/office/drawing/2014/main" id="{A8DB466A-E79E-A7FD-3487-379EA4474867}"/>
+                <a16:creationId xmlns:a16="http://schemas.microsoft.com/office/drawing/2014/main" id="{99FC0BE6-10F8-E2E3-1EFD-7D23396E1DF1}"/>
               </a:ext>
             </a:extLst>
           </p:cNvPr>
@@ -856,7 +856,7 @@
           <a:bodyPr/>
           <a:lstStyle/>
           <a:p>
-            <a:fld id="{1B06CCD7-136C-43F8-BC92-3EF01CF22510}" type="datetimeFigureOut">
+            <a:fld id="{1E0D6DA5-5897-466E-A749-F63E9047E7D0}" type="datetimeFigureOut">
               <a:rPr lang="zh-CN" altLang="en-US" smtClean="0"/>
               <a:t>2024/3/10</a:t>
             </a:fld>
@@ -869,7 +869,7 @@
           <p:cNvPr id="5" name="页脚占位符 4">
             <a:extLst>
               <a:ext uri="{FF2B5EF4-FFF2-40B4-BE49-F238E27FC236}">
-                <a16:creationId xmlns:a16="http://schemas.microsoft.com/office/drawing/2014/main" id="{7FD418ED-C29F-D3FB-24DB-9987490C8260}"/>
+                <a16:creationId xmlns:a16="http://schemas.microsoft.com/office/drawing/2014/main" id="{E599C418-ACFC-022D-EDAA-F0EC8312AC53}"/>
               </a:ext>
             </a:extLst>
           </p:cNvPr>
@@ -894,7 +894,7 @@
           <p:cNvPr id="6" name="灯片编号占位符 5">
             <a:extLst>
               <a:ext uri="{FF2B5EF4-FFF2-40B4-BE49-F238E27FC236}">
-                <a16:creationId xmlns:a16="http://schemas.microsoft.com/office/drawing/2014/main" id="{22C97960-1C78-F788-A52E-3060A05F97E7}"/>
+                <a16:creationId xmlns:a16="http://schemas.microsoft.com/office/drawing/2014/main" id="{5B7636E7-1E28-D2A2-D306-9C0EA3FE46AC}"/>
               </a:ext>
             </a:extLst>
           </p:cNvPr>
@@ -910,7 +910,7 @@
           <a:bodyPr/>
           <a:lstStyle/>
           <a:p>
-            <a:fld id="{865DA913-85AB-40BE-B6FF-E98CF2D3E71C}" type="slidenum">
+            <a:fld id="{56C679DB-5960-4677-B71A-05800CA53F1B}" type="slidenum">
               <a:rPr lang="zh-CN" altLang="en-US" smtClean="0"/>
               <a:t>‹#›</a:t>
             </a:fld>
@@ -921,7 +921,7 @@
     </p:spTree>
     <p:extLst>
       <p:ext uri="{BB962C8B-B14F-4D97-AF65-F5344CB8AC3E}">
-        <p14:creationId xmlns:p14="http://schemas.microsoft.com/office/powerpoint/2010/main" val="3804384710"/>
+        <p14:creationId xmlns:p14="http://schemas.microsoft.com/office/powerpoint/2010/main" val="4145895393"/>
       </p:ext>
     </p:extLst>
   </p:cSld>
@@ -953,7 +953,7 @@
           <p:cNvPr id="2" name="标题 1">
             <a:extLst>
               <a:ext uri="{FF2B5EF4-FFF2-40B4-BE49-F238E27FC236}">
-                <a16:creationId xmlns:a16="http://schemas.microsoft.com/office/drawing/2014/main" id="{E9ED276B-734A-1EDC-C602-BF722A2FC173}"/>
+                <a16:creationId xmlns:a16="http://schemas.microsoft.com/office/drawing/2014/main" id="{D8D54D3E-26BF-8AD0-955D-69F135E2D327}"/>
               </a:ext>
             </a:extLst>
           </p:cNvPr>
@@ -990,7 +990,7 @@
           <p:cNvPr id="3" name="文本占位符 2">
             <a:extLst>
               <a:ext uri="{FF2B5EF4-FFF2-40B4-BE49-F238E27FC236}">
-                <a16:creationId xmlns:a16="http://schemas.microsoft.com/office/drawing/2014/main" id="{6E3BF9B7-2FBF-C4AC-F3E4-7657A651D4BE}"/>
+                <a16:creationId xmlns:a16="http://schemas.microsoft.com/office/drawing/2014/main" id="{A77F3FAD-547D-6141-5F2D-46650603A590}"/>
               </a:ext>
             </a:extLst>
           </p:cNvPr>
@@ -1115,7 +1115,7 @@
           <p:cNvPr id="4" name="日期占位符 3">
             <a:extLst>
               <a:ext uri="{FF2B5EF4-FFF2-40B4-BE49-F238E27FC236}">
-                <a16:creationId xmlns:a16="http://schemas.microsoft.com/office/drawing/2014/main" id="{270E5AC0-E9FC-FC9E-5745-E0E5E53A48C1}"/>
+                <a16:creationId xmlns:a16="http://schemas.microsoft.com/office/drawing/2014/main" id="{437B0F9D-D209-3761-A9E5-21F3686A644F}"/>
               </a:ext>
             </a:extLst>
           </p:cNvPr>
@@ -1131,7 +1131,7 @@
           <a:bodyPr/>
           <a:lstStyle/>
           <a:p>
-            <a:fld id="{1B06CCD7-136C-43F8-BC92-3EF01CF22510}" type="datetimeFigureOut">
+            <a:fld id="{1E0D6DA5-5897-466E-A749-F63E9047E7D0}" type="datetimeFigureOut">
               <a:rPr lang="zh-CN" altLang="en-US" smtClean="0"/>
               <a:t>2024/3/10</a:t>
             </a:fld>
@@ -1144,7 +1144,7 @@
           <p:cNvPr id="5" name="页脚占位符 4">
             <a:extLst>
               <a:ext uri="{FF2B5EF4-FFF2-40B4-BE49-F238E27FC236}">
-                <a16:creationId xmlns:a16="http://schemas.microsoft.com/office/drawing/2014/main" id="{2357C81A-340C-7FE5-BED8-8D0808FB722B}"/>
+                <a16:creationId xmlns:a16="http://schemas.microsoft.com/office/drawing/2014/main" id="{FF648EBE-9457-1EDD-B8CC-19F5131419B5}"/>
               </a:ext>
             </a:extLst>
           </p:cNvPr>
@@ -1169,7 +1169,7 @@
           <p:cNvPr id="6" name="灯片编号占位符 5">
             <a:extLst>
               <a:ext uri="{FF2B5EF4-FFF2-40B4-BE49-F238E27FC236}">
-                <a16:creationId xmlns:a16="http://schemas.microsoft.com/office/drawing/2014/main" id="{7A3E30E6-DDFF-DBD3-7ADD-B5B2E0F2F744}"/>
+                <a16:creationId xmlns:a16="http://schemas.microsoft.com/office/drawing/2014/main" id="{B8D451F0-5596-5DD3-FB81-14D125889A55}"/>
               </a:ext>
             </a:extLst>
           </p:cNvPr>
@@ -1185,7 +1185,7 @@
           <a:bodyPr/>
           <a:lstStyle/>
           <a:p>
-            <a:fld id="{865DA913-85AB-40BE-B6FF-E98CF2D3E71C}" type="slidenum">
+            <a:fld id="{56C679DB-5960-4677-B71A-05800CA53F1B}" type="slidenum">
               <a:rPr lang="zh-CN" altLang="en-US" smtClean="0"/>
               <a:t>‹#›</a:t>
             </a:fld>
@@ -1196,7 +1196,7 @@
     </p:spTree>
     <p:extLst>
       <p:ext uri="{BB962C8B-B14F-4D97-AF65-F5344CB8AC3E}">
-        <p14:creationId xmlns:p14="http://schemas.microsoft.com/office/powerpoint/2010/main" val="1127180482"/>
+        <p14:creationId xmlns:p14="http://schemas.microsoft.com/office/powerpoint/2010/main" val="3902158995"/>
       </p:ext>
     </p:extLst>
   </p:cSld>
@@ -1228,7 +1228,7 @@
           <p:cNvPr id="2" name="标题 1">
             <a:extLst>
               <a:ext uri="{FF2B5EF4-FFF2-40B4-BE49-F238E27FC236}">
-                <a16:creationId xmlns:a16="http://schemas.microsoft.com/office/drawing/2014/main" id="{108B1918-D9BD-78B6-5AD1-45B5A65DA9D9}"/>
+                <a16:creationId xmlns:a16="http://schemas.microsoft.com/office/drawing/2014/main" id="{C1FB1351-C71A-3BFF-9ADC-2C92989F4183}"/>
               </a:ext>
             </a:extLst>
           </p:cNvPr>
@@ -1256,7 +1256,7 @@
           <p:cNvPr id="3" name="内容占位符 2">
             <a:extLst>
               <a:ext uri="{FF2B5EF4-FFF2-40B4-BE49-F238E27FC236}">
-                <a16:creationId xmlns:a16="http://schemas.microsoft.com/office/drawing/2014/main" id="{FE0CB5D9-E30F-1038-75E6-0D72DA133CE8}"/>
+                <a16:creationId xmlns:a16="http://schemas.microsoft.com/office/drawing/2014/main" id="{E06B9164-C34D-34F4-65A5-209E96B372B8}"/>
               </a:ext>
             </a:extLst>
           </p:cNvPr>
@@ -1318,7 +1318,7 @@
           <p:cNvPr id="4" name="内容占位符 3">
             <a:extLst>
               <a:ext uri="{FF2B5EF4-FFF2-40B4-BE49-F238E27FC236}">
-                <a16:creationId xmlns:a16="http://schemas.microsoft.com/office/drawing/2014/main" id="{04110AFD-2B37-373F-4EED-C0E327E57CB1}"/>
+                <a16:creationId xmlns:a16="http://schemas.microsoft.com/office/drawing/2014/main" id="{F944FC98-44C9-28AD-334D-6DED9CEB80BD}"/>
               </a:ext>
             </a:extLst>
           </p:cNvPr>
@@ -1380,7 +1380,7 @@
           <p:cNvPr id="5" name="日期占位符 4">
             <a:extLst>
               <a:ext uri="{FF2B5EF4-FFF2-40B4-BE49-F238E27FC236}">
-                <a16:creationId xmlns:a16="http://schemas.microsoft.com/office/drawing/2014/main" id="{062706DD-AE79-89F6-D4EA-5DC9F4625AF4}"/>
+                <a16:creationId xmlns:a16="http://schemas.microsoft.com/office/drawing/2014/main" id="{7060FEA8-82C2-8AFB-EA42-62636B836A89}"/>
               </a:ext>
             </a:extLst>
           </p:cNvPr>
@@ -1396,7 +1396,7 @@
           <a:bodyPr/>
           <a:lstStyle/>
           <a:p>
-            <a:fld id="{1B06CCD7-136C-43F8-BC92-3EF01CF22510}" type="datetimeFigureOut">
+            <a:fld id="{1E0D6DA5-5897-466E-A749-F63E9047E7D0}" type="datetimeFigureOut">
               <a:rPr lang="zh-CN" altLang="en-US" smtClean="0"/>
               <a:t>2024/3/10</a:t>
             </a:fld>
@@ -1409,7 +1409,7 @@
           <p:cNvPr id="6" name="页脚占位符 5">
             <a:extLst>
               <a:ext uri="{FF2B5EF4-FFF2-40B4-BE49-F238E27FC236}">
-                <a16:creationId xmlns:a16="http://schemas.microsoft.com/office/drawing/2014/main" id="{43A7C677-3778-CA86-41EB-7D47CC9E3632}"/>
+                <a16:creationId xmlns:a16="http://schemas.microsoft.com/office/drawing/2014/main" id="{9E965463-3F4E-AF7C-EA11-F92ED5372418}"/>
               </a:ext>
             </a:extLst>
           </p:cNvPr>
@@ -1434,7 +1434,7 @@
           <p:cNvPr id="7" name="灯片编号占位符 6">
             <a:extLst>
               <a:ext uri="{FF2B5EF4-FFF2-40B4-BE49-F238E27FC236}">
-                <a16:creationId xmlns:a16="http://schemas.microsoft.com/office/drawing/2014/main" id="{6083D2F4-A2D2-EFF8-7840-37CF40C71B10}"/>
+                <a16:creationId xmlns:a16="http://schemas.microsoft.com/office/drawing/2014/main" id="{799F4B94-E97F-2D66-AA42-1FCB84E994C9}"/>
               </a:ext>
             </a:extLst>
           </p:cNvPr>
@@ -1450,7 +1450,7 @@
           <a:bodyPr/>
           <a:lstStyle/>
           <a:p>
-            <a:fld id="{865DA913-85AB-40BE-B6FF-E98CF2D3E71C}" type="slidenum">
+            <a:fld id="{56C679DB-5960-4677-B71A-05800CA53F1B}" type="slidenum">
               <a:rPr lang="zh-CN" altLang="en-US" smtClean="0"/>
               <a:t>‹#›</a:t>
             </a:fld>
@@ -1461,7 +1461,7 @@
     </p:spTree>
     <p:extLst>
       <p:ext uri="{BB962C8B-B14F-4D97-AF65-F5344CB8AC3E}">
-        <p14:creationId xmlns:p14="http://schemas.microsoft.com/office/powerpoint/2010/main" val="1450533243"/>
+        <p14:creationId xmlns:p14="http://schemas.microsoft.com/office/powerpoint/2010/main" val="1370905255"/>
       </p:ext>
     </p:extLst>
   </p:cSld>
@@ -1493,7 +1493,7 @@
           <p:cNvPr id="2" name="标题 1">
             <a:extLst>
               <a:ext uri="{FF2B5EF4-FFF2-40B4-BE49-F238E27FC236}">
-                <a16:creationId xmlns:a16="http://schemas.microsoft.com/office/drawing/2014/main" id="{25926D5A-7BF1-5333-477C-AAFC11D90C59}"/>
+                <a16:creationId xmlns:a16="http://schemas.microsoft.com/office/drawing/2014/main" id="{FCC261CF-9D7A-AEE5-E47C-37453B3965E7}"/>
               </a:ext>
             </a:extLst>
           </p:cNvPr>
@@ -1526,7 +1526,7 @@
           <p:cNvPr id="3" name="文本占位符 2">
             <a:extLst>
               <a:ext uri="{FF2B5EF4-FFF2-40B4-BE49-F238E27FC236}">
-                <a16:creationId xmlns:a16="http://schemas.microsoft.com/office/drawing/2014/main" id="{B0C6A803-FA27-D94D-07B0-35CB029FB945}"/>
+                <a16:creationId xmlns:a16="http://schemas.microsoft.com/office/drawing/2014/main" id="{A686D4F8-4484-AE1E-5A6C-056B996312DE}"/>
               </a:ext>
             </a:extLst>
           </p:cNvPr>
@@ -1597,7 +1597,7 @@
           <p:cNvPr id="4" name="内容占位符 3">
             <a:extLst>
               <a:ext uri="{FF2B5EF4-FFF2-40B4-BE49-F238E27FC236}">
-                <a16:creationId xmlns:a16="http://schemas.microsoft.com/office/drawing/2014/main" id="{DC482EB4-8D54-F88D-65DB-15ADBC1BE76B}"/>
+                <a16:creationId xmlns:a16="http://schemas.microsoft.com/office/drawing/2014/main" id="{984F953B-5DFE-7C7B-48D0-152460C7E583}"/>
               </a:ext>
             </a:extLst>
           </p:cNvPr>
@@ -1659,7 +1659,7 @@
           <p:cNvPr id="5" name="文本占位符 4">
             <a:extLst>
               <a:ext uri="{FF2B5EF4-FFF2-40B4-BE49-F238E27FC236}">
-                <a16:creationId xmlns:a16="http://schemas.microsoft.com/office/drawing/2014/main" id="{9FF57A5B-BCAD-066C-998C-3BF9BEF6C13B}"/>
+                <a16:creationId xmlns:a16="http://schemas.microsoft.com/office/drawing/2014/main" id="{0FC3E41F-7147-8D77-E0D9-4FE0BFA91F54}"/>
               </a:ext>
             </a:extLst>
           </p:cNvPr>
@@ -1730,7 +1730,7 @@
           <p:cNvPr id="6" name="内容占位符 5">
             <a:extLst>
               <a:ext uri="{FF2B5EF4-FFF2-40B4-BE49-F238E27FC236}">
-                <a16:creationId xmlns:a16="http://schemas.microsoft.com/office/drawing/2014/main" id="{FFC44968-7FC7-C75B-59E9-1079AB2AC2B8}"/>
+                <a16:creationId xmlns:a16="http://schemas.microsoft.com/office/drawing/2014/main" id="{2B1853C9-EB13-19F5-007A-80FE46C9B496}"/>
               </a:ext>
             </a:extLst>
           </p:cNvPr>
@@ -1792,7 +1792,7 @@
           <p:cNvPr id="7" name="日期占位符 6">
             <a:extLst>
               <a:ext uri="{FF2B5EF4-FFF2-40B4-BE49-F238E27FC236}">
-                <a16:creationId xmlns:a16="http://schemas.microsoft.com/office/drawing/2014/main" id="{C4218AFD-4E1A-5FD8-BF7B-5738A9C9A408}"/>
+                <a16:creationId xmlns:a16="http://schemas.microsoft.com/office/drawing/2014/main" id="{828CD010-B83C-4125-9FCF-5C27CFEE3812}"/>
               </a:ext>
             </a:extLst>
           </p:cNvPr>
@@ -1808,7 +1808,7 @@
           <a:bodyPr/>
           <a:lstStyle/>
           <a:p>
-            <a:fld id="{1B06CCD7-136C-43F8-BC92-3EF01CF22510}" type="datetimeFigureOut">
+            <a:fld id="{1E0D6DA5-5897-466E-A749-F63E9047E7D0}" type="datetimeFigureOut">
               <a:rPr lang="zh-CN" altLang="en-US" smtClean="0"/>
               <a:t>2024/3/10</a:t>
             </a:fld>
@@ -1821,7 +1821,7 @@
           <p:cNvPr id="8" name="页脚占位符 7">
             <a:extLst>
               <a:ext uri="{FF2B5EF4-FFF2-40B4-BE49-F238E27FC236}">
-                <a16:creationId xmlns:a16="http://schemas.microsoft.com/office/drawing/2014/main" id="{FE04A8AF-E6AE-CE21-E202-8AF3EDFD21DD}"/>
+                <a16:creationId xmlns:a16="http://schemas.microsoft.com/office/drawing/2014/main" id="{686D26CE-622B-E7CE-FC08-96B59652302B}"/>
               </a:ext>
             </a:extLst>
           </p:cNvPr>
@@ -1846,7 +1846,7 @@
           <p:cNvPr id="9" name="灯片编号占位符 8">
             <a:extLst>
               <a:ext uri="{FF2B5EF4-FFF2-40B4-BE49-F238E27FC236}">
-                <a16:creationId xmlns:a16="http://schemas.microsoft.com/office/drawing/2014/main" id="{675DE9E3-FEA8-1E66-8D09-34F80DA1A4B6}"/>
+                <a16:creationId xmlns:a16="http://schemas.microsoft.com/office/drawing/2014/main" id="{8DAA9695-6390-6C6E-3D77-18C4B2B5675A}"/>
               </a:ext>
             </a:extLst>
           </p:cNvPr>
@@ -1862,7 +1862,7 @@
           <a:bodyPr/>
           <a:lstStyle/>
           <a:p>
-            <a:fld id="{865DA913-85AB-40BE-B6FF-E98CF2D3E71C}" type="slidenum">
+            <a:fld id="{56C679DB-5960-4677-B71A-05800CA53F1B}" type="slidenum">
               <a:rPr lang="zh-CN" altLang="en-US" smtClean="0"/>
               <a:t>‹#›</a:t>
             </a:fld>
@@ -1873,7 +1873,7 @@
     </p:spTree>
     <p:extLst>
       <p:ext uri="{BB962C8B-B14F-4D97-AF65-F5344CB8AC3E}">
-        <p14:creationId xmlns:p14="http://schemas.microsoft.com/office/powerpoint/2010/main" val="1872740917"/>
+        <p14:creationId xmlns:p14="http://schemas.microsoft.com/office/powerpoint/2010/main" val="2086828724"/>
       </p:ext>
     </p:extLst>
   </p:cSld>
@@ -1905,7 +1905,7 @@
           <p:cNvPr id="2" name="标题 1">
             <a:extLst>
               <a:ext uri="{FF2B5EF4-FFF2-40B4-BE49-F238E27FC236}">
-                <a16:creationId xmlns:a16="http://schemas.microsoft.com/office/drawing/2014/main" id="{B1868E6C-1D0A-6913-568D-A66EA350DBC9}"/>
+                <a16:creationId xmlns:a16="http://schemas.microsoft.com/office/drawing/2014/main" id="{5F862E2E-2166-8897-5F4A-C70D6591D4A3}"/>
               </a:ext>
             </a:extLst>
           </p:cNvPr>
@@ -1933,7 +1933,7 @@
           <p:cNvPr id="3" name="日期占位符 2">
             <a:extLst>
               <a:ext uri="{FF2B5EF4-FFF2-40B4-BE49-F238E27FC236}">
-                <a16:creationId xmlns:a16="http://schemas.microsoft.com/office/drawing/2014/main" id="{21F84EEC-DB77-46B6-B342-28C03A777DCD}"/>
+                <a16:creationId xmlns:a16="http://schemas.microsoft.com/office/drawing/2014/main" id="{7DA0D553-B0AA-1DE5-901B-0CB334BCDA7B}"/>
               </a:ext>
             </a:extLst>
           </p:cNvPr>
@@ -1949,7 +1949,7 @@
           <a:bodyPr/>
           <a:lstStyle/>
           <a:p>
-            <a:fld id="{1B06CCD7-136C-43F8-BC92-3EF01CF22510}" type="datetimeFigureOut">
+            <a:fld id="{1E0D6DA5-5897-466E-A749-F63E9047E7D0}" type="datetimeFigureOut">
               <a:rPr lang="zh-CN" altLang="en-US" smtClean="0"/>
               <a:t>2024/3/10</a:t>
             </a:fld>
@@ -1962,7 +1962,7 @@
           <p:cNvPr id="4" name="页脚占位符 3">
             <a:extLst>
               <a:ext uri="{FF2B5EF4-FFF2-40B4-BE49-F238E27FC236}">
-                <a16:creationId xmlns:a16="http://schemas.microsoft.com/office/drawing/2014/main" id="{8E0FCA6C-62C0-B39F-FB35-AF4B923A9D1D}"/>
+                <a16:creationId xmlns:a16="http://schemas.microsoft.com/office/drawing/2014/main" id="{89B1284C-6BB5-03AA-A664-A66D96AD3521}"/>
               </a:ext>
             </a:extLst>
           </p:cNvPr>
@@ -1987,7 +1987,7 @@
           <p:cNvPr id="5" name="灯片编号占位符 4">
             <a:extLst>
               <a:ext uri="{FF2B5EF4-FFF2-40B4-BE49-F238E27FC236}">
-                <a16:creationId xmlns:a16="http://schemas.microsoft.com/office/drawing/2014/main" id="{86EF35DB-E41F-5F3E-938E-141369509D8B}"/>
+                <a16:creationId xmlns:a16="http://schemas.microsoft.com/office/drawing/2014/main" id="{29A9AA98-CBAD-E35F-6F94-256E2FB36ED6}"/>
               </a:ext>
             </a:extLst>
           </p:cNvPr>
@@ -2003,7 +2003,7 @@
           <a:bodyPr/>
           <a:lstStyle/>
           <a:p>
-            <a:fld id="{865DA913-85AB-40BE-B6FF-E98CF2D3E71C}" type="slidenum">
+            <a:fld id="{56C679DB-5960-4677-B71A-05800CA53F1B}" type="slidenum">
               <a:rPr lang="zh-CN" altLang="en-US" smtClean="0"/>
               <a:t>‹#›</a:t>
             </a:fld>
@@ -2014,7 +2014,7 @@
     </p:spTree>
     <p:extLst>
       <p:ext uri="{BB962C8B-B14F-4D97-AF65-F5344CB8AC3E}">
-        <p14:creationId xmlns:p14="http://schemas.microsoft.com/office/powerpoint/2010/main" val="1439407128"/>
+        <p14:creationId xmlns:p14="http://schemas.microsoft.com/office/powerpoint/2010/main" val="3737337165"/>
       </p:ext>
     </p:extLst>
   </p:cSld>
@@ -2046,7 +2046,7 @@
           <p:cNvPr id="2" name="日期占位符 1">
             <a:extLst>
               <a:ext uri="{FF2B5EF4-FFF2-40B4-BE49-F238E27FC236}">
-                <a16:creationId xmlns:a16="http://schemas.microsoft.com/office/drawing/2014/main" id="{100BC744-6302-98FC-EB15-0C2E44F4E13B}"/>
+                <a16:creationId xmlns:a16="http://schemas.microsoft.com/office/drawing/2014/main" id="{5AA033D7-A66E-9C44-687B-4D5D63FDD55B}"/>
               </a:ext>
             </a:extLst>
           </p:cNvPr>
@@ -2062,7 +2062,7 @@
           <a:bodyPr/>
           <a:lstStyle/>
           <a:p>
-            <a:fld id="{1B06CCD7-136C-43F8-BC92-3EF01CF22510}" type="datetimeFigureOut">
+            <a:fld id="{1E0D6DA5-5897-466E-A749-F63E9047E7D0}" type="datetimeFigureOut">
               <a:rPr lang="zh-CN" altLang="en-US" smtClean="0"/>
               <a:t>2024/3/10</a:t>
             </a:fld>
@@ -2075,7 +2075,7 @@
           <p:cNvPr id="3" name="页脚占位符 2">
             <a:extLst>
               <a:ext uri="{FF2B5EF4-FFF2-40B4-BE49-F238E27FC236}">
-                <a16:creationId xmlns:a16="http://schemas.microsoft.com/office/drawing/2014/main" id="{79B000FB-F494-7CB6-1316-F515283347AE}"/>
+                <a16:creationId xmlns:a16="http://schemas.microsoft.com/office/drawing/2014/main" id="{71B4160A-06BA-2375-06EB-A804B5F3E6FA}"/>
               </a:ext>
             </a:extLst>
           </p:cNvPr>
@@ -2100,7 +2100,7 @@
           <p:cNvPr id="4" name="灯片编号占位符 3">
             <a:extLst>
               <a:ext uri="{FF2B5EF4-FFF2-40B4-BE49-F238E27FC236}">
-                <a16:creationId xmlns:a16="http://schemas.microsoft.com/office/drawing/2014/main" id="{8B491992-FA0F-C3AF-E251-6F0A68E9F1C2}"/>
+                <a16:creationId xmlns:a16="http://schemas.microsoft.com/office/drawing/2014/main" id="{1B21820A-9B0C-8B41-A458-09952E7FCDEE}"/>
               </a:ext>
             </a:extLst>
           </p:cNvPr>
@@ -2116,7 +2116,7 @@
           <a:bodyPr/>
           <a:lstStyle/>
           <a:p>
-            <a:fld id="{865DA913-85AB-40BE-B6FF-E98CF2D3E71C}" type="slidenum">
+            <a:fld id="{56C679DB-5960-4677-B71A-05800CA53F1B}" type="slidenum">
               <a:rPr lang="zh-CN" altLang="en-US" smtClean="0"/>
               <a:t>‹#›</a:t>
             </a:fld>
@@ -2127,7 +2127,7 @@
     </p:spTree>
     <p:extLst>
       <p:ext uri="{BB962C8B-B14F-4D97-AF65-F5344CB8AC3E}">
-        <p14:creationId xmlns:p14="http://schemas.microsoft.com/office/powerpoint/2010/main" val="67883444"/>
+        <p14:creationId xmlns:p14="http://schemas.microsoft.com/office/powerpoint/2010/main" val="2164142726"/>
       </p:ext>
     </p:extLst>
   </p:cSld>
@@ -2159,7 +2159,7 @@
           <p:cNvPr id="2" name="标题 1">
             <a:extLst>
               <a:ext uri="{FF2B5EF4-FFF2-40B4-BE49-F238E27FC236}">
-                <a16:creationId xmlns:a16="http://schemas.microsoft.com/office/drawing/2014/main" id="{60BD73D6-5B1B-14FB-F07F-04063C10080B}"/>
+                <a16:creationId xmlns:a16="http://schemas.microsoft.com/office/drawing/2014/main" id="{E172D8B7-F1BF-A298-14B7-617F1A13DDD8}"/>
               </a:ext>
             </a:extLst>
           </p:cNvPr>
@@ -2196,7 +2196,7 @@
           <p:cNvPr id="3" name="内容占位符 2">
             <a:extLst>
               <a:ext uri="{FF2B5EF4-FFF2-40B4-BE49-F238E27FC236}">
-                <a16:creationId xmlns:a16="http://schemas.microsoft.com/office/drawing/2014/main" id="{FC7BF0CC-8E54-50BF-7E0A-3139E3AAEF94}"/>
+                <a16:creationId xmlns:a16="http://schemas.microsoft.com/office/drawing/2014/main" id="{C9F11C97-2FFC-576A-4CDB-8E5E0A72B42C}"/>
               </a:ext>
             </a:extLst>
           </p:cNvPr>
@@ -2286,7 +2286,7 @@
           <p:cNvPr id="4" name="文本占位符 3">
             <a:extLst>
               <a:ext uri="{FF2B5EF4-FFF2-40B4-BE49-F238E27FC236}">
-                <a16:creationId xmlns:a16="http://schemas.microsoft.com/office/drawing/2014/main" id="{E0776657-F7DA-8C5A-2CCD-BBE48CD012B5}"/>
+                <a16:creationId xmlns:a16="http://schemas.microsoft.com/office/drawing/2014/main" id="{5376F2EB-B7D6-E3AC-3834-9325FBB2014A}"/>
               </a:ext>
             </a:extLst>
           </p:cNvPr>
@@ -2357,7 +2357,7 @@
           <p:cNvPr id="5" name="日期占位符 4">
             <a:extLst>
               <a:ext uri="{FF2B5EF4-FFF2-40B4-BE49-F238E27FC236}">
-                <a16:creationId xmlns:a16="http://schemas.microsoft.com/office/drawing/2014/main" id="{8DE7AA92-89CB-2855-2FD5-ED9B6CFF92EE}"/>
+                <a16:creationId xmlns:a16="http://schemas.microsoft.com/office/drawing/2014/main" id="{F971D703-C333-C127-6C74-C3181EE1C218}"/>
               </a:ext>
             </a:extLst>
           </p:cNvPr>
@@ -2373,7 +2373,7 @@
           <a:bodyPr/>
           <a:lstStyle/>
           <a:p>
-            <a:fld id="{1B06CCD7-136C-43F8-BC92-3EF01CF22510}" type="datetimeFigureOut">
+            <a:fld id="{1E0D6DA5-5897-466E-A749-F63E9047E7D0}" type="datetimeFigureOut">
               <a:rPr lang="zh-CN" altLang="en-US" smtClean="0"/>
               <a:t>2024/3/10</a:t>
             </a:fld>
@@ -2386,7 +2386,7 @@
           <p:cNvPr id="6" name="页脚占位符 5">
             <a:extLst>
               <a:ext uri="{FF2B5EF4-FFF2-40B4-BE49-F238E27FC236}">
-                <a16:creationId xmlns:a16="http://schemas.microsoft.com/office/drawing/2014/main" id="{A88DCA49-62D9-63CB-E26C-019ADC84D832}"/>
+                <a16:creationId xmlns:a16="http://schemas.microsoft.com/office/drawing/2014/main" id="{86B2773E-BEF0-EF72-FCAA-9E1AB74DFBB4}"/>
               </a:ext>
             </a:extLst>
           </p:cNvPr>
@@ -2411,7 +2411,7 @@
           <p:cNvPr id="7" name="灯片编号占位符 6">
             <a:extLst>
               <a:ext uri="{FF2B5EF4-FFF2-40B4-BE49-F238E27FC236}">
-                <a16:creationId xmlns:a16="http://schemas.microsoft.com/office/drawing/2014/main" id="{A51B2BF1-5B53-B5CF-EEC0-1D8EB7285D27}"/>
+                <a16:creationId xmlns:a16="http://schemas.microsoft.com/office/drawing/2014/main" id="{0E48784C-7CB2-7292-F899-C57B07C99A3C}"/>
               </a:ext>
             </a:extLst>
           </p:cNvPr>
@@ -2427,7 +2427,7 @@
           <a:bodyPr/>
           <a:lstStyle/>
           <a:p>
-            <a:fld id="{865DA913-85AB-40BE-B6FF-E98CF2D3E71C}" type="slidenum">
+            <a:fld id="{56C679DB-5960-4677-B71A-05800CA53F1B}" type="slidenum">
               <a:rPr lang="zh-CN" altLang="en-US" smtClean="0"/>
               <a:t>‹#›</a:t>
             </a:fld>
@@ -2438,7 +2438,7 @@
     </p:spTree>
     <p:extLst>
       <p:ext uri="{BB962C8B-B14F-4D97-AF65-F5344CB8AC3E}">
-        <p14:creationId xmlns:p14="http://schemas.microsoft.com/office/powerpoint/2010/main" val="1027710786"/>
+        <p14:creationId xmlns:p14="http://schemas.microsoft.com/office/powerpoint/2010/main" val="3644692772"/>
       </p:ext>
     </p:extLst>
   </p:cSld>
@@ -2470,7 +2470,7 @@
           <p:cNvPr id="2" name="标题 1">
             <a:extLst>
               <a:ext uri="{FF2B5EF4-FFF2-40B4-BE49-F238E27FC236}">
-                <a16:creationId xmlns:a16="http://schemas.microsoft.com/office/drawing/2014/main" id="{3D0CA3EF-98BF-409F-4B7E-DB47381EACE2}"/>
+                <a16:creationId xmlns:a16="http://schemas.microsoft.com/office/drawing/2014/main" id="{960FDB39-A716-F3C8-0254-AB1F20A850D6}"/>
               </a:ext>
             </a:extLst>
           </p:cNvPr>
@@ -2507,7 +2507,7 @@
           <p:cNvPr id="3" name="图片占位符 2">
             <a:extLst>
               <a:ext uri="{FF2B5EF4-FFF2-40B4-BE49-F238E27FC236}">
-                <a16:creationId xmlns:a16="http://schemas.microsoft.com/office/drawing/2014/main" id="{5518D430-5EBB-9F42-949B-10F2FC3B4DF6}"/>
+                <a16:creationId xmlns:a16="http://schemas.microsoft.com/office/drawing/2014/main" id="{71174A3A-9B76-8A42-E99F-FD7DE7FE0CD6}"/>
               </a:ext>
             </a:extLst>
           </p:cNvPr>
@@ -2574,7 +2574,7 @@
           <p:cNvPr id="4" name="文本占位符 3">
             <a:extLst>
               <a:ext uri="{FF2B5EF4-FFF2-40B4-BE49-F238E27FC236}">
-                <a16:creationId xmlns:a16="http://schemas.microsoft.com/office/drawing/2014/main" id="{F3C5A555-174D-90B8-9829-136BE1591032}"/>
+                <a16:creationId xmlns:a16="http://schemas.microsoft.com/office/drawing/2014/main" id="{8F9A7938-A7AC-F54F-C941-35E5BDAC8D1D}"/>
               </a:ext>
             </a:extLst>
           </p:cNvPr>
@@ -2645,7 +2645,7 @@
           <p:cNvPr id="5" name="日期占位符 4">
             <a:extLst>
               <a:ext uri="{FF2B5EF4-FFF2-40B4-BE49-F238E27FC236}">
-                <a16:creationId xmlns:a16="http://schemas.microsoft.com/office/drawing/2014/main" id="{02DD0FE8-8D63-A5DD-0163-DD04A19F7B0A}"/>
+                <a16:creationId xmlns:a16="http://schemas.microsoft.com/office/drawing/2014/main" id="{96DACB35-005A-5D7B-C87F-603B542916FF}"/>
               </a:ext>
             </a:extLst>
           </p:cNvPr>
@@ -2661,7 +2661,7 @@
           <a:bodyPr/>
           <a:lstStyle/>
           <a:p>
-            <a:fld id="{1B06CCD7-136C-43F8-BC92-3EF01CF22510}" type="datetimeFigureOut">
+            <a:fld id="{1E0D6DA5-5897-466E-A749-F63E9047E7D0}" type="datetimeFigureOut">
               <a:rPr lang="zh-CN" altLang="en-US" smtClean="0"/>
               <a:t>2024/3/10</a:t>
             </a:fld>
@@ -2674,7 +2674,7 @@
           <p:cNvPr id="6" name="页脚占位符 5">
             <a:extLst>
               <a:ext uri="{FF2B5EF4-FFF2-40B4-BE49-F238E27FC236}">
-                <a16:creationId xmlns:a16="http://schemas.microsoft.com/office/drawing/2014/main" id="{EFEE1AD9-925C-17E7-C6C8-6B26FE2612CD}"/>
+                <a16:creationId xmlns:a16="http://schemas.microsoft.com/office/drawing/2014/main" id="{689CCDBC-6C53-62CD-EB3F-6BC163BD7669}"/>
               </a:ext>
             </a:extLst>
           </p:cNvPr>
@@ -2699,7 +2699,7 @@
           <p:cNvPr id="7" name="灯片编号占位符 6">
             <a:extLst>
               <a:ext uri="{FF2B5EF4-FFF2-40B4-BE49-F238E27FC236}">
-                <a16:creationId xmlns:a16="http://schemas.microsoft.com/office/drawing/2014/main" id="{C5EA2322-120C-975E-C84E-E65E83761864}"/>
+                <a16:creationId xmlns:a16="http://schemas.microsoft.com/office/drawing/2014/main" id="{4E45B9BD-90E6-D247-C558-6F2075E9A738}"/>
               </a:ext>
             </a:extLst>
           </p:cNvPr>
@@ -2715,7 +2715,7 @@
           <a:bodyPr/>
           <a:lstStyle/>
           <a:p>
-            <a:fld id="{865DA913-85AB-40BE-B6FF-E98CF2D3E71C}" type="slidenum">
+            <a:fld id="{56C679DB-5960-4677-B71A-05800CA53F1B}" type="slidenum">
               <a:rPr lang="zh-CN" altLang="en-US" smtClean="0"/>
               <a:t>‹#›</a:t>
             </a:fld>
@@ -2726,7 +2726,7 @@
     </p:spTree>
     <p:extLst>
       <p:ext uri="{BB962C8B-B14F-4D97-AF65-F5344CB8AC3E}">
-        <p14:creationId xmlns:p14="http://schemas.microsoft.com/office/powerpoint/2010/main" val="3502072949"/>
+        <p14:creationId xmlns:p14="http://schemas.microsoft.com/office/powerpoint/2010/main" val="3094520808"/>
       </p:ext>
     </p:extLst>
   </p:cSld>
@@ -2763,7 +2763,7 @@
           <p:cNvPr id="2" name="标题占位符 1">
             <a:extLst>
               <a:ext uri="{FF2B5EF4-FFF2-40B4-BE49-F238E27FC236}">
-                <a16:creationId xmlns:a16="http://schemas.microsoft.com/office/drawing/2014/main" id="{5670369E-F44D-680D-C6D4-0C3017CEC75D}"/>
+                <a16:creationId xmlns:a16="http://schemas.microsoft.com/office/drawing/2014/main" id="{FD37B697-A30E-0285-4A21-A73144094D3F}"/>
               </a:ext>
             </a:extLst>
           </p:cNvPr>
@@ -2801,7 +2801,7 @@
           <p:cNvPr id="3" name="文本占位符 2">
             <a:extLst>
               <a:ext uri="{FF2B5EF4-FFF2-40B4-BE49-F238E27FC236}">
-                <a16:creationId xmlns:a16="http://schemas.microsoft.com/office/drawing/2014/main" id="{B5BEAA1E-6366-3643-55BE-6C1D271DCBD3}"/>
+                <a16:creationId xmlns:a16="http://schemas.microsoft.com/office/drawing/2014/main" id="{B6B2E104-D398-7871-29A4-6524C344C961}"/>
               </a:ext>
             </a:extLst>
           </p:cNvPr>
@@ -2868,7 +2868,7 @@
           <p:cNvPr id="4" name="日期占位符 3">
             <a:extLst>
               <a:ext uri="{FF2B5EF4-FFF2-40B4-BE49-F238E27FC236}">
-                <a16:creationId xmlns:a16="http://schemas.microsoft.com/office/drawing/2014/main" id="{BB23257C-F07C-0A89-70E7-DE032506AE91}"/>
+                <a16:creationId xmlns:a16="http://schemas.microsoft.com/office/drawing/2014/main" id="{51FFF1EC-A1F8-C452-1E0E-EF49725E2AF2}"/>
               </a:ext>
             </a:extLst>
           </p:cNvPr>
@@ -2902,7 +2902,7 @@
             </a:lvl1pPr>
           </a:lstStyle>
           <a:p>
-            <a:fld id="{1B06CCD7-136C-43F8-BC92-3EF01CF22510}" type="datetimeFigureOut">
+            <a:fld id="{1E0D6DA5-5897-466E-A749-F63E9047E7D0}" type="datetimeFigureOut">
               <a:rPr lang="zh-CN" altLang="en-US" smtClean="0"/>
               <a:t>2024/3/10</a:t>
             </a:fld>
@@ -2915,7 +2915,7 @@
           <p:cNvPr id="5" name="页脚占位符 4">
             <a:extLst>
               <a:ext uri="{FF2B5EF4-FFF2-40B4-BE49-F238E27FC236}">
-                <a16:creationId xmlns:a16="http://schemas.microsoft.com/office/drawing/2014/main" id="{5F8E7D7A-E797-8794-39F6-523A13920B16}"/>
+                <a16:creationId xmlns:a16="http://schemas.microsoft.com/office/drawing/2014/main" id="{3C9811A9-69E3-982D-A2BD-BAE13BAA32FC}"/>
               </a:ext>
             </a:extLst>
           </p:cNvPr>
@@ -2958,7 +2958,7 @@
           <p:cNvPr id="6" name="灯片编号占位符 5">
             <a:extLst>
               <a:ext uri="{FF2B5EF4-FFF2-40B4-BE49-F238E27FC236}">
-                <a16:creationId xmlns:a16="http://schemas.microsoft.com/office/drawing/2014/main" id="{ECBEF017-FEF9-EB4E-0A8C-8C560F79AB0B}"/>
+                <a16:creationId xmlns:a16="http://schemas.microsoft.com/office/drawing/2014/main" id="{72587486-86F7-139B-4405-B77B641B098A}"/>
               </a:ext>
             </a:extLst>
           </p:cNvPr>
@@ -2992,7 +2992,7 @@
             </a:lvl1pPr>
           </a:lstStyle>
           <a:p>
-            <a:fld id="{865DA913-85AB-40BE-B6FF-E98CF2D3E71C}" type="slidenum">
+            <a:fld id="{56C679DB-5960-4677-B71A-05800CA53F1B}" type="slidenum">
               <a:rPr lang="zh-CN" altLang="en-US" smtClean="0"/>
               <a:t>‹#›</a:t>
             </a:fld>
@@ -3003,7 +3003,7 @@
     </p:spTree>
     <p:extLst>
       <p:ext uri="{BB962C8B-B14F-4D97-AF65-F5344CB8AC3E}">
-        <p14:creationId xmlns:p14="http://schemas.microsoft.com/office/powerpoint/2010/main" val="1648243176"/>
+        <p14:creationId xmlns:p14="http://schemas.microsoft.com/office/powerpoint/2010/main" val="988951281"/>
       </p:ext>
     </p:extLst>
   </p:cSld>
@@ -3323,7 +3323,7 @@
       </p:grpSpPr>
       <p:pic>
         <p:nvPicPr>
-          <p:cNvPr id="1409026" name="Picture 2" descr="1375"/>
+          <p:cNvPr id="1410050" name="Picture 2" descr="1376"/>
           <p:cNvPicPr>
             <a:picLocks noChangeAspect="1" noChangeArrowheads="1"/>
           </p:cNvPicPr>
@@ -3344,8 +3344,8 @@
         </p:blipFill>
         <p:spPr bwMode="auto">
           <a:xfrm>
-            <a:off x="1524000" y="0"/>
-            <a:ext cx="9144000" cy="6858000"/>
+            <a:off x="1524000" y="1"/>
+            <a:ext cx="9144000" cy="6308725"/>
           </a:xfrm>
           <a:prstGeom prst="rect">
             <a:avLst/>
